--- a/PurchaseNote/Document/develop.pptx
+++ b/PurchaseNote/Document/develop.pptx
@@ -6,8 +6,9 @@
   </p:sldMasterIdLst>
   <p:sldIdLst>
     <p:sldId id="256" r:id="rId2"/>
-    <p:sldId id="257" r:id="rId3"/>
-    <p:sldId id="258" r:id="rId4"/>
+    <p:sldId id="259" r:id="rId3"/>
+    <p:sldId id="257" r:id="rId4"/>
+    <p:sldId id="258" r:id="rId5"/>
   </p:sldIdLst>
   <p:sldSz cx="12192000" cy="6858000"/>
   <p:notesSz cx="6858000" cy="9144000"/>
@@ -245,7 +246,7 @@
           <a:p>
             <a:fld id="{9457A3DA-A5AD-9F4D-A4DA-57834D844141}" type="datetimeFigureOut">
               <a:rPr kumimoji="1" lang="zh-CN" altLang="en-US" smtClean="0"/>
-              <a:t>2016/11/17</a:t>
+              <a:t>2016/11/18</a:t>
             </a:fld>
             <a:endParaRPr kumimoji="1" lang="zh-CN" altLang="en-US"/>
           </a:p>
@@ -415,7 +416,7 @@
           <a:p>
             <a:fld id="{9457A3DA-A5AD-9F4D-A4DA-57834D844141}" type="datetimeFigureOut">
               <a:rPr kumimoji="1" lang="zh-CN" altLang="en-US" smtClean="0"/>
-              <a:t>2016/11/17</a:t>
+              <a:t>2016/11/18</a:t>
             </a:fld>
             <a:endParaRPr kumimoji="1" lang="zh-CN" altLang="en-US"/>
           </a:p>
@@ -595,7 +596,7 @@
           <a:p>
             <a:fld id="{9457A3DA-A5AD-9F4D-A4DA-57834D844141}" type="datetimeFigureOut">
               <a:rPr kumimoji="1" lang="zh-CN" altLang="en-US" smtClean="0"/>
-              <a:t>2016/11/17</a:t>
+              <a:t>2016/11/18</a:t>
             </a:fld>
             <a:endParaRPr kumimoji="1" lang="zh-CN" altLang="en-US"/>
           </a:p>
@@ -765,7 +766,7 @@
           <a:p>
             <a:fld id="{9457A3DA-A5AD-9F4D-A4DA-57834D844141}" type="datetimeFigureOut">
               <a:rPr kumimoji="1" lang="zh-CN" altLang="en-US" smtClean="0"/>
-              <a:t>2016/11/17</a:t>
+              <a:t>2016/11/18</a:t>
             </a:fld>
             <a:endParaRPr kumimoji="1" lang="zh-CN" altLang="en-US"/>
           </a:p>
@@ -1011,7 +1012,7 @@
           <a:p>
             <a:fld id="{9457A3DA-A5AD-9F4D-A4DA-57834D844141}" type="datetimeFigureOut">
               <a:rPr kumimoji="1" lang="zh-CN" altLang="en-US" smtClean="0"/>
-              <a:t>2016/11/17</a:t>
+              <a:t>2016/11/18</a:t>
             </a:fld>
             <a:endParaRPr kumimoji="1" lang="zh-CN" altLang="en-US"/>
           </a:p>
@@ -1243,7 +1244,7 @@
           <a:p>
             <a:fld id="{9457A3DA-A5AD-9F4D-A4DA-57834D844141}" type="datetimeFigureOut">
               <a:rPr kumimoji="1" lang="zh-CN" altLang="en-US" smtClean="0"/>
-              <a:t>2016/11/17</a:t>
+              <a:t>2016/11/18</a:t>
             </a:fld>
             <a:endParaRPr kumimoji="1" lang="zh-CN" altLang="en-US"/>
           </a:p>
@@ -1610,7 +1611,7 @@
           <a:p>
             <a:fld id="{9457A3DA-A5AD-9F4D-A4DA-57834D844141}" type="datetimeFigureOut">
               <a:rPr kumimoji="1" lang="zh-CN" altLang="en-US" smtClean="0"/>
-              <a:t>2016/11/17</a:t>
+              <a:t>2016/11/18</a:t>
             </a:fld>
             <a:endParaRPr kumimoji="1" lang="zh-CN" altLang="en-US"/>
           </a:p>
@@ -1728,7 +1729,7 @@
           <a:p>
             <a:fld id="{9457A3DA-A5AD-9F4D-A4DA-57834D844141}" type="datetimeFigureOut">
               <a:rPr kumimoji="1" lang="zh-CN" altLang="en-US" smtClean="0"/>
-              <a:t>2016/11/17</a:t>
+              <a:t>2016/11/18</a:t>
             </a:fld>
             <a:endParaRPr kumimoji="1" lang="zh-CN" altLang="en-US"/>
           </a:p>
@@ -1823,7 +1824,7 @@
           <a:p>
             <a:fld id="{9457A3DA-A5AD-9F4D-A4DA-57834D844141}" type="datetimeFigureOut">
               <a:rPr kumimoji="1" lang="zh-CN" altLang="en-US" smtClean="0"/>
-              <a:t>2016/11/17</a:t>
+              <a:t>2016/11/18</a:t>
             </a:fld>
             <a:endParaRPr kumimoji="1" lang="zh-CN" altLang="en-US"/>
           </a:p>
@@ -2100,7 +2101,7 @@
           <a:p>
             <a:fld id="{9457A3DA-A5AD-9F4D-A4DA-57834D844141}" type="datetimeFigureOut">
               <a:rPr kumimoji="1" lang="zh-CN" altLang="en-US" smtClean="0"/>
-              <a:t>2016/11/17</a:t>
+              <a:t>2016/11/18</a:t>
             </a:fld>
             <a:endParaRPr kumimoji="1" lang="zh-CN" altLang="en-US"/>
           </a:p>
@@ -2353,7 +2354,7 @@
           <a:p>
             <a:fld id="{9457A3DA-A5AD-9F4D-A4DA-57834D844141}" type="datetimeFigureOut">
               <a:rPr kumimoji="1" lang="zh-CN" altLang="en-US" smtClean="0"/>
-              <a:t>2016/11/17</a:t>
+              <a:t>2016/11/18</a:t>
             </a:fld>
             <a:endParaRPr kumimoji="1" lang="zh-CN" altLang="en-US"/>
           </a:p>
@@ -2566,7 +2567,7 @@
           <a:p>
             <a:fld id="{9457A3DA-A5AD-9F4D-A4DA-57834D844141}" type="datetimeFigureOut">
               <a:rPr kumimoji="1" lang="zh-CN" altLang="en-US" smtClean="0"/>
-              <a:t>2016/11/17</a:t>
+              <a:t>2016/11/18</a:t>
             </a:fld>
             <a:endParaRPr kumimoji="1" lang="zh-CN" altLang="en-US"/>
           </a:p>
@@ -2989,7 +2990,7 @@
         </p:nvSpPr>
         <p:spPr>
           <a:xfrm>
-            <a:off x="946672" y="457199"/>
+            <a:off x="1848973" y="609589"/>
             <a:ext cx="3033656" cy="5400339"/>
           </a:xfrm>
           <a:prstGeom prst="rect">
@@ -3032,7 +3033,7 @@
         </p:nvSpPr>
         <p:spPr>
           <a:xfrm>
-            <a:off x="946672" y="457199"/>
+            <a:off x="1848973" y="609589"/>
             <a:ext cx="3033656" cy="570155"/>
           </a:xfrm>
           <a:prstGeom prst="rect">
@@ -3076,7 +3077,7 @@
         </p:nvSpPr>
         <p:spPr>
           <a:xfrm>
-            <a:off x="946672" y="5287383"/>
+            <a:off x="1848973" y="5439773"/>
             <a:ext cx="3033656" cy="570155"/>
           </a:xfrm>
           <a:prstGeom prst="rect">
@@ -3116,7 +3117,7 @@
         </p:nvSpPr>
         <p:spPr>
           <a:xfrm>
-            <a:off x="1414631" y="5387794"/>
+            <a:off x="2316932" y="5540184"/>
             <a:ext cx="720763" cy="369332"/>
           </a:xfrm>
           <a:prstGeom prst="rect">
@@ -3146,7 +3147,7 @@
         </p:nvSpPr>
         <p:spPr>
           <a:xfrm>
-            <a:off x="2697479" y="5391387"/>
+            <a:off x="3599780" y="5543777"/>
             <a:ext cx="720763" cy="369332"/>
           </a:xfrm>
           <a:prstGeom prst="rect">
@@ -3177,13 +3178,13 @@
           <p:nvPr>
             <p:extLst>
               <p:ext uri="{D42A27DB-BD31-4B8C-83A1-F6EECF244321}">
-                <p14:modId xmlns:p14="http://schemas.microsoft.com/office/powerpoint/2010/main" val="2072290128"/>
+                <p14:modId xmlns:p14="http://schemas.microsoft.com/office/powerpoint/2010/main" val="1336592802"/>
               </p:ext>
             </p:extLst>
           </p:nvPr>
         </p:nvGraphicFramePr>
         <p:xfrm>
-          <a:off x="984324" y="1081143"/>
+          <a:off x="1886625" y="1233533"/>
           <a:ext cx="2958352" cy="4152450"/>
         </p:xfrm>
         <a:graphic>
@@ -3218,11 +3219,7 @@
                     <a:p>
                       <a:r>
                         <a:rPr lang="zh-CN" altLang="en-US" dirty="0" smtClean="0"/>
-                        <a:t>商</a:t>
-                      </a:r>
-                      <a:r>
-                        <a:rPr lang="zh-CN" altLang="en-US" dirty="0" smtClean="0"/>
-                        <a:t>品</a:t>
+                        <a:t>商品</a:t>
                       </a:r>
                       <a:endParaRPr lang="zh-CN" altLang="en-US" dirty="0"/>
                     </a:p>
@@ -3394,7 +3391,7 @@
         </p:nvSpPr>
         <p:spPr>
           <a:xfrm>
-            <a:off x="8625244" y="457199"/>
+            <a:off x="6633436" y="609589"/>
             <a:ext cx="3033656" cy="5400339"/>
           </a:xfrm>
           <a:prstGeom prst="rect">
@@ -3437,7 +3434,7 @@
         </p:nvSpPr>
         <p:spPr>
           <a:xfrm>
-            <a:off x="8625244" y="457199"/>
+            <a:off x="6633436" y="609589"/>
             <a:ext cx="3033656" cy="570155"/>
           </a:xfrm>
           <a:prstGeom prst="rect">
@@ -3481,7 +3478,7 @@
         </p:nvSpPr>
         <p:spPr>
           <a:xfrm>
-            <a:off x="8625244" y="5287383"/>
+            <a:off x="6633436" y="5439773"/>
             <a:ext cx="3033656" cy="570155"/>
           </a:xfrm>
           <a:prstGeom prst="rect">
@@ -3521,7 +3518,7 @@
         </p:nvSpPr>
         <p:spPr>
           <a:xfrm>
-            <a:off x="9093203" y="5387794"/>
+            <a:off x="7101395" y="5540184"/>
             <a:ext cx="720763" cy="369332"/>
           </a:xfrm>
           <a:prstGeom prst="rect">
@@ -3551,7 +3548,7 @@
         </p:nvSpPr>
         <p:spPr>
           <a:xfrm>
-            <a:off x="10376051" y="5391387"/>
+            <a:off x="8384243" y="5543777"/>
             <a:ext cx="720763" cy="369332"/>
           </a:xfrm>
           <a:prstGeom prst="rect">
@@ -3595,7 +3592,7 @@
         </p:blipFill>
         <p:spPr>
           <a:xfrm>
-            <a:off x="11172417" y="564775"/>
+            <a:off x="9180609" y="717165"/>
             <a:ext cx="260574" cy="355002"/>
           </a:xfrm>
           <a:prstGeom prst="rect">
@@ -3612,13 +3609,13 @@
           <p:nvPr>
             <p:extLst>
               <p:ext uri="{D42A27DB-BD31-4B8C-83A1-F6EECF244321}">
-                <p14:modId xmlns:p14="http://schemas.microsoft.com/office/powerpoint/2010/main" val="1778199899"/>
+                <p14:modId xmlns:p14="http://schemas.microsoft.com/office/powerpoint/2010/main" val="1767716078"/>
               </p:ext>
             </p:extLst>
           </p:nvPr>
         </p:nvGraphicFramePr>
         <p:xfrm>
-          <a:off x="8730133" y="1081143"/>
+          <a:off x="6738325" y="1233533"/>
           <a:ext cx="2823579" cy="4184725"/>
         </p:xfrm>
         <a:graphic>
@@ -3714,7 +3711,7 @@
         </p:nvSpPr>
         <p:spPr>
           <a:xfrm>
-            <a:off x="3437067" y="494850"/>
+            <a:off x="4339368" y="647240"/>
             <a:ext cx="505609" cy="559398"/>
           </a:xfrm>
           <a:prstGeom prst="mathPlus">
@@ -3743,189 +3740,6 @@
           <a:p>
             <a:pPr algn="ctr"/>
             <a:endParaRPr kumimoji="1" lang="zh-CN" altLang="en-US"/>
-          </a:p>
-        </p:txBody>
-      </p:sp>
-      <p:sp>
-        <p:nvSpPr>
-          <p:cNvPr id="6" name="矩形 5"/>
-          <p:cNvSpPr/>
-          <p:nvPr/>
-        </p:nvSpPr>
-        <p:spPr>
-          <a:xfrm>
-            <a:off x="5066852" y="919777"/>
-            <a:ext cx="2743200" cy="4190105"/>
-          </a:xfrm>
-          <a:prstGeom prst="rect">
-            <a:avLst/>
-          </a:prstGeom>
-          <a:solidFill>
-            <a:schemeClr val="bg1"/>
-          </a:solidFill>
-        </p:spPr>
-        <p:style>
-          <a:lnRef idx="2">
-            <a:schemeClr val="accent1">
-              <a:shade val="50000"/>
-            </a:schemeClr>
-          </a:lnRef>
-          <a:fillRef idx="1">
-            <a:schemeClr val="accent1"/>
-          </a:fillRef>
-          <a:effectRef idx="0">
-            <a:schemeClr val="accent1"/>
-          </a:effectRef>
-          <a:fontRef idx="minor">
-            <a:schemeClr val="lt1"/>
-          </a:fontRef>
-        </p:style>
-        <p:txBody>
-          <a:bodyPr rtlCol="0" anchor="ctr"/>
-          <a:lstStyle/>
-          <a:p>
-            <a:pPr algn="ctr"/>
-            <a:endParaRPr kumimoji="1" lang="zh-CN" altLang="en-US"/>
-          </a:p>
-        </p:txBody>
-      </p:sp>
-      <p:sp>
-        <p:nvSpPr>
-          <p:cNvPr id="9" name="矩形 8"/>
-          <p:cNvSpPr/>
-          <p:nvPr/>
-        </p:nvSpPr>
-        <p:spPr>
-          <a:xfrm>
-            <a:off x="5486400" y="1290918"/>
-            <a:ext cx="1968649" cy="355002"/>
-          </a:xfrm>
-          <a:prstGeom prst="rect">
-            <a:avLst/>
-          </a:prstGeom>
-        </p:spPr>
-        <p:style>
-          <a:lnRef idx="2">
-            <a:schemeClr val="accent1">
-              <a:shade val="50000"/>
-            </a:schemeClr>
-          </a:lnRef>
-          <a:fillRef idx="1">
-            <a:schemeClr val="accent1"/>
-          </a:fillRef>
-          <a:effectRef idx="0">
-            <a:schemeClr val="accent1"/>
-          </a:effectRef>
-          <a:fontRef idx="minor">
-            <a:schemeClr val="lt1"/>
-          </a:fontRef>
-        </p:style>
-        <p:txBody>
-          <a:bodyPr rtlCol="0" anchor="ctr"/>
-          <a:lstStyle/>
-          <a:p>
-            <a:pPr algn="ctr"/>
-            <a:r>
-              <a:rPr kumimoji="1" lang="zh-CN" altLang="en-US" dirty="0" smtClean="0"/>
-              <a:t>类别</a:t>
-            </a:r>
-            <a:r>
-              <a:rPr kumimoji="1" lang="en-US" altLang="zh-CN" dirty="0" smtClean="0"/>
-              <a:t>/</a:t>
-            </a:r>
-            <a:r>
-              <a:rPr kumimoji="1" lang="zh-CN" altLang="en-US" dirty="0" smtClean="0"/>
-              <a:t>商品  ⬇️</a:t>
-            </a:r>
-            <a:endParaRPr kumimoji="1" lang="zh-CN" altLang="en-US" dirty="0"/>
-          </a:p>
-        </p:txBody>
-      </p:sp>
-      <p:sp>
-        <p:nvSpPr>
-          <p:cNvPr id="11" name="矩形 10"/>
-          <p:cNvSpPr/>
-          <p:nvPr/>
-        </p:nvSpPr>
-        <p:spPr>
-          <a:xfrm>
-            <a:off x="5388384" y="4550485"/>
-            <a:ext cx="914401" cy="441063"/>
-          </a:xfrm>
-          <a:prstGeom prst="rect">
-            <a:avLst/>
-          </a:prstGeom>
-        </p:spPr>
-        <p:style>
-          <a:lnRef idx="2">
-            <a:schemeClr val="accent1">
-              <a:shade val="50000"/>
-            </a:schemeClr>
-          </a:lnRef>
-          <a:fillRef idx="1">
-            <a:schemeClr val="accent1"/>
-          </a:fillRef>
-          <a:effectRef idx="0">
-            <a:schemeClr val="accent1"/>
-          </a:effectRef>
-          <a:fontRef idx="minor">
-            <a:schemeClr val="lt1"/>
-          </a:fontRef>
-        </p:style>
-        <p:txBody>
-          <a:bodyPr rtlCol="0" anchor="ctr"/>
-          <a:lstStyle/>
-          <a:p>
-            <a:pPr algn="ctr"/>
-            <a:r>
-              <a:rPr kumimoji="1" lang="zh-CN" altLang="en-US" dirty="0" smtClean="0"/>
-              <a:t>添加</a:t>
-            </a:r>
-            <a:endParaRPr kumimoji="1" lang="zh-CN" altLang="en-US" dirty="0"/>
-          </a:p>
-        </p:txBody>
-      </p:sp>
-      <p:sp>
-        <p:nvSpPr>
-          <p:cNvPr id="23" name="矩形 22"/>
-          <p:cNvSpPr/>
-          <p:nvPr/>
-        </p:nvSpPr>
-        <p:spPr>
-          <a:xfrm>
-            <a:off x="6597424" y="4550484"/>
-            <a:ext cx="914401" cy="441063"/>
-          </a:xfrm>
-          <a:prstGeom prst="rect">
-            <a:avLst/>
-          </a:prstGeom>
-        </p:spPr>
-        <p:style>
-          <a:lnRef idx="2">
-            <a:schemeClr val="accent1">
-              <a:shade val="50000"/>
-            </a:schemeClr>
-          </a:lnRef>
-          <a:fillRef idx="1">
-            <a:schemeClr val="accent1"/>
-          </a:fillRef>
-          <a:effectRef idx="0">
-            <a:schemeClr val="accent1"/>
-          </a:effectRef>
-          <a:fontRef idx="minor">
-            <a:schemeClr val="lt1"/>
-          </a:fontRef>
-        </p:style>
-        <p:txBody>
-          <a:bodyPr rtlCol="0" anchor="ctr"/>
-          <a:lstStyle/>
-          <a:p>
-            <a:pPr algn="ctr"/>
-            <a:r>
-              <a:rPr kumimoji="1" lang="zh-CN" altLang="en-US" dirty="0" smtClean="0"/>
-              <a:t>取消</a:t>
-            </a:r>
-            <a:endParaRPr kumimoji="1" lang="zh-CN" altLang="en-US" dirty="0"/>
           </a:p>
         </p:txBody>
       </p:sp>
@@ -3959,6 +3773,889 @@
           <a:chExt cx="0" cy="0"/>
         </a:xfrm>
       </p:grpSpPr>
+      <p:grpSp>
+        <p:nvGrpSpPr>
+          <p:cNvPr id="22" name="组 21"/>
+          <p:cNvGrpSpPr/>
+          <p:nvPr/>
+        </p:nvGrpSpPr>
+        <p:grpSpPr>
+          <a:xfrm>
+            <a:off x="4912209" y="962807"/>
+            <a:ext cx="2743200" cy="4190105"/>
+            <a:chOff x="1463040" y="887503"/>
+            <a:chExt cx="2743200" cy="4190105"/>
+          </a:xfrm>
+        </p:grpSpPr>
+        <p:sp>
+          <p:nvSpPr>
+            <p:cNvPr id="5" name="矩形 4"/>
+            <p:cNvSpPr/>
+            <p:nvPr/>
+          </p:nvSpPr>
+          <p:spPr>
+            <a:xfrm>
+              <a:off x="1463040" y="887503"/>
+              <a:ext cx="2743200" cy="4190105"/>
+            </a:xfrm>
+            <a:prstGeom prst="rect">
+              <a:avLst/>
+            </a:prstGeom>
+            <a:solidFill>
+              <a:schemeClr val="bg1"/>
+            </a:solidFill>
+          </p:spPr>
+          <p:style>
+            <a:lnRef idx="2">
+              <a:schemeClr val="accent1">
+                <a:shade val="50000"/>
+              </a:schemeClr>
+            </a:lnRef>
+            <a:fillRef idx="1">
+              <a:schemeClr val="accent1"/>
+            </a:fillRef>
+            <a:effectRef idx="0">
+              <a:schemeClr val="accent1"/>
+            </a:effectRef>
+            <a:fontRef idx="minor">
+              <a:schemeClr val="lt1"/>
+            </a:fontRef>
+          </p:style>
+          <p:txBody>
+            <a:bodyPr rtlCol="0" anchor="ctr"/>
+            <a:lstStyle/>
+            <a:p>
+              <a:pPr algn="ctr"/>
+              <a:endParaRPr kumimoji="1" lang="zh-CN" altLang="en-US"/>
+            </a:p>
+          </p:txBody>
+        </p:sp>
+        <p:sp>
+          <p:nvSpPr>
+            <p:cNvPr id="6" name="矩形 5"/>
+            <p:cNvSpPr/>
+            <p:nvPr/>
+          </p:nvSpPr>
+          <p:spPr>
+            <a:xfrm>
+              <a:off x="1882588" y="1258644"/>
+              <a:ext cx="1968649" cy="355002"/>
+            </a:xfrm>
+            <a:prstGeom prst="rect">
+              <a:avLst/>
+            </a:prstGeom>
+          </p:spPr>
+          <p:style>
+            <a:lnRef idx="2">
+              <a:schemeClr val="accent1">
+                <a:shade val="50000"/>
+              </a:schemeClr>
+            </a:lnRef>
+            <a:fillRef idx="1">
+              <a:schemeClr val="accent1"/>
+            </a:fillRef>
+            <a:effectRef idx="0">
+              <a:schemeClr val="accent1"/>
+            </a:effectRef>
+            <a:fontRef idx="minor">
+              <a:schemeClr val="lt1"/>
+            </a:fontRef>
+          </p:style>
+          <p:txBody>
+            <a:bodyPr rtlCol="0" anchor="ctr"/>
+            <a:lstStyle/>
+            <a:p>
+              <a:pPr algn="ctr"/>
+              <a:r>
+                <a:rPr kumimoji="1" lang="zh-CN" altLang="en-US" dirty="0" smtClean="0"/>
+                <a:t>添加类别</a:t>
+              </a:r>
+              <a:endParaRPr kumimoji="1" lang="zh-CN" altLang="en-US" dirty="0"/>
+            </a:p>
+          </p:txBody>
+        </p:sp>
+        <p:sp>
+          <p:nvSpPr>
+            <p:cNvPr id="7" name="矩形 6"/>
+            <p:cNvSpPr/>
+            <p:nvPr/>
+          </p:nvSpPr>
+          <p:spPr>
+            <a:xfrm>
+              <a:off x="1784572" y="4518211"/>
+              <a:ext cx="914401" cy="441063"/>
+            </a:xfrm>
+            <a:prstGeom prst="rect">
+              <a:avLst/>
+            </a:prstGeom>
+          </p:spPr>
+          <p:style>
+            <a:lnRef idx="2">
+              <a:schemeClr val="accent1">
+                <a:shade val="50000"/>
+              </a:schemeClr>
+            </a:lnRef>
+            <a:fillRef idx="1">
+              <a:schemeClr val="accent1"/>
+            </a:fillRef>
+            <a:effectRef idx="0">
+              <a:schemeClr val="accent1"/>
+            </a:effectRef>
+            <a:fontRef idx="minor">
+              <a:schemeClr val="lt1"/>
+            </a:fontRef>
+          </p:style>
+          <p:txBody>
+            <a:bodyPr rtlCol="0" anchor="ctr"/>
+            <a:lstStyle/>
+            <a:p>
+              <a:pPr algn="ctr"/>
+              <a:r>
+                <a:rPr kumimoji="1" lang="zh-CN" altLang="en-US" dirty="0" smtClean="0"/>
+                <a:t>添加</a:t>
+              </a:r>
+              <a:endParaRPr kumimoji="1" lang="zh-CN" altLang="en-US" dirty="0"/>
+            </a:p>
+          </p:txBody>
+        </p:sp>
+        <p:sp>
+          <p:nvSpPr>
+            <p:cNvPr id="8" name="矩形 7"/>
+            <p:cNvSpPr/>
+            <p:nvPr/>
+          </p:nvSpPr>
+          <p:spPr>
+            <a:xfrm>
+              <a:off x="2993612" y="4518210"/>
+              <a:ext cx="914401" cy="441063"/>
+            </a:xfrm>
+            <a:prstGeom prst="rect">
+              <a:avLst/>
+            </a:prstGeom>
+          </p:spPr>
+          <p:style>
+            <a:lnRef idx="2">
+              <a:schemeClr val="accent1">
+                <a:shade val="50000"/>
+              </a:schemeClr>
+            </a:lnRef>
+            <a:fillRef idx="1">
+              <a:schemeClr val="accent1"/>
+            </a:fillRef>
+            <a:effectRef idx="0">
+              <a:schemeClr val="accent1"/>
+            </a:effectRef>
+            <a:fontRef idx="minor">
+              <a:schemeClr val="lt1"/>
+            </a:fontRef>
+          </p:style>
+          <p:txBody>
+            <a:bodyPr rtlCol="0" anchor="ctr"/>
+            <a:lstStyle/>
+            <a:p>
+              <a:pPr algn="ctr"/>
+              <a:r>
+                <a:rPr kumimoji="1" lang="zh-CN" altLang="en-US" dirty="0" smtClean="0"/>
+                <a:t>取消</a:t>
+              </a:r>
+              <a:endParaRPr kumimoji="1" lang="zh-CN" altLang="en-US" dirty="0"/>
+            </a:p>
+          </p:txBody>
+        </p:sp>
+        <p:sp>
+          <p:nvSpPr>
+            <p:cNvPr id="9" name="矩形 8"/>
+            <p:cNvSpPr/>
+            <p:nvPr/>
+          </p:nvSpPr>
+          <p:spPr>
+            <a:xfrm>
+              <a:off x="1882588" y="1861072"/>
+              <a:ext cx="1968649" cy="430306"/>
+            </a:xfrm>
+            <a:prstGeom prst="rect">
+              <a:avLst/>
+            </a:prstGeom>
+          </p:spPr>
+          <p:style>
+            <a:lnRef idx="2">
+              <a:schemeClr val="accent1">
+                <a:shade val="50000"/>
+              </a:schemeClr>
+            </a:lnRef>
+            <a:fillRef idx="1">
+              <a:schemeClr val="accent1"/>
+            </a:fillRef>
+            <a:effectRef idx="0">
+              <a:schemeClr val="accent1"/>
+            </a:effectRef>
+            <a:fontRef idx="minor">
+              <a:schemeClr val="lt1"/>
+            </a:fontRef>
+          </p:style>
+          <p:txBody>
+            <a:bodyPr rtlCol="0" anchor="ctr"/>
+            <a:lstStyle/>
+            <a:p>
+              <a:pPr algn="ctr"/>
+              <a:r>
+                <a:rPr kumimoji="1" lang="zh-CN" altLang="en-US" dirty="0" smtClean="0"/>
+                <a:t>类别名称</a:t>
+              </a:r>
+              <a:endParaRPr kumimoji="1" lang="zh-CN" altLang="en-US" dirty="0"/>
+            </a:p>
+          </p:txBody>
+        </p:sp>
+      </p:grpSp>
+      <p:grpSp>
+        <p:nvGrpSpPr>
+          <p:cNvPr id="32" name="组 31"/>
+          <p:cNvGrpSpPr/>
+          <p:nvPr/>
+        </p:nvGrpSpPr>
+        <p:grpSpPr>
+          <a:xfrm>
+            <a:off x="1161826" y="962807"/>
+            <a:ext cx="2657139" cy="4276167"/>
+            <a:chOff x="1161826" y="962807"/>
+            <a:chExt cx="2657139" cy="4276167"/>
+          </a:xfrm>
+        </p:grpSpPr>
+        <p:sp>
+          <p:nvSpPr>
+            <p:cNvPr id="23" name="矩形 22"/>
+            <p:cNvSpPr/>
+            <p:nvPr/>
+          </p:nvSpPr>
+          <p:spPr>
+            <a:xfrm>
+              <a:off x="1161826" y="962807"/>
+              <a:ext cx="2657139" cy="4276167"/>
+            </a:xfrm>
+            <a:prstGeom prst="rect">
+              <a:avLst/>
+            </a:prstGeom>
+            <a:solidFill>
+              <a:schemeClr val="bg1"/>
+            </a:solidFill>
+          </p:spPr>
+          <p:style>
+            <a:lnRef idx="2">
+              <a:schemeClr val="accent1">
+                <a:shade val="50000"/>
+              </a:schemeClr>
+            </a:lnRef>
+            <a:fillRef idx="1">
+              <a:schemeClr val="accent1"/>
+            </a:fillRef>
+            <a:effectRef idx="0">
+              <a:schemeClr val="accent1"/>
+            </a:effectRef>
+            <a:fontRef idx="minor">
+              <a:schemeClr val="lt1"/>
+            </a:fontRef>
+          </p:style>
+          <p:txBody>
+            <a:bodyPr rtlCol="0" anchor="ctr"/>
+            <a:lstStyle/>
+            <a:p>
+              <a:pPr algn="ctr"/>
+              <a:endParaRPr kumimoji="1" lang="zh-CN" altLang="en-US" dirty="0"/>
+            </a:p>
+          </p:txBody>
+        </p:sp>
+        <p:sp>
+          <p:nvSpPr>
+            <p:cNvPr id="24" name="矩形 23"/>
+            <p:cNvSpPr/>
+            <p:nvPr/>
+          </p:nvSpPr>
+          <p:spPr>
+            <a:xfrm>
+              <a:off x="1534310" y="3697382"/>
+              <a:ext cx="1912170" cy="311973"/>
+            </a:xfrm>
+            <a:prstGeom prst="rect">
+              <a:avLst/>
+            </a:prstGeom>
+          </p:spPr>
+          <p:style>
+            <a:lnRef idx="2">
+              <a:schemeClr val="accent1">
+                <a:shade val="50000"/>
+              </a:schemeClr>
+            </a:lnRef>
+            <a:fillRef idx="1">
+              <a:schemeClr val="accent1"/>
+            </a:fillRef>
+            <a:effectRef idx="0">
+              <a:schemeClr val="accent1"/>
+            </a:effectRef>
+            <a:fontRef idx="minor">
+              <a:schemeClr val="lt1"/>
+            </a:fontRef>
+          </p:style>
+          <p:txBody>
+            <a:bodyPr rtlCol="0" anchor="ctr"/>
+            <a:lstStyle/>
+            <a:p>
+              <a:pPr algn="ctr"/>
+              <a:r>
+                <a:rPr kumimoji="1" lang="zh-CN" altLang="en-US" dirty="0" smtClean="0"/>
+                <a:t>添加类别</a:t>
+              </a:r>
+              <a:endParaRPr kumimoji="1" lang="zh-CN" altLang="en-US" dirty="0"/>
+            </a:p>
+          </p:txBody>
+        </p:sp>
+        <p:sp>
+          <p:nvSpPr>
+            <p:cNvPr id="25" name="矩形 24"/>
+            <p:cNvSpPr/>
+            <p:nvPr/>
+          </p:nvSpPr>
+          <p:spPr>
+            <a:xfrm>
+              <a:off x="1534310" y="4174860"/>
+              <a:ext cx="1912170" cy="311973"/>
+            </a:xfrm>
+            <a:prstGeom prst="rect">
+              <a:avLst/>
+            </a:prstGeom>
+          </p:spPr>
+          <p:style>
+            <a:lnRef idx="2">
+              <a:schemeClr val="accent1">
+                <a:shade val="50000"/>
+              </a:schemeClr>
+            </a:lnRef>
+            <a:fillRef idx="1">
+              <a:schemeClr val="accent1"/>
+            </a:fillRef>
+            <a:effectRef idx="0">
+              <a:schemeClr val="accent1"/>
+            </a:effectRef>
+            <a:fontRef idx="minor">
+              <a:schemeClr val="lt1"/>
+            </a:fontRef>
+          </p:style>
+          <p:txBody>
+            <a:bodyPr rtlCol="0" anchor="ctr"/>
+            <a:lstStyle/>
+            <a:p>
+              <a:pPr algn="ctr"/>
+              <a:r>
+                <a:rPr kumimoji="1" lang="zh-CN" altLang="en-US" dirty="0" smtClean="0"/>
+                <a:t>添加商品</a:t>
+              </a:r>
+              <a:endParaRPr kumimoji="1" lang="zh-CN" altLang="en-US" dirty="0"/>
+            </a:p>
+          </p:txBody>
+        </p:sp>
+        <p:sp>
+          <p:nvSpPr>
+            <p:cNvPr id="26" name="矩形 25"/>
+            <p:cNvSpPr/>
+            <p:nvPr/>
+          </p:nvSpPr>
+          <p:spPr>
+            <a:xfrm>
+              <a:off x="1534310" y="4652339"/>
+              <a:ext cx="1912170" cy="311973"/>
+            </a:xfrm>
+            <a:prstGeom prst="rect">
+              <a:avLst/>
+            </a:prstGeom>
+          </p:spPr>
+          <p:style>
+            <a:lnRef idx="2">
+              <a:schemeClr val="accent1">
+                <a:shade val="50000"/>
+              </a:schemeClr>
+            </a:lnRef>
+            <a:fillRef idx="1">
+              <a:schemeClr val="accent1"/>
+            </a:fillRef>
+            <a:effectRef idx="0">
+              <a:schemeClr val="accent1"/>
+            </a:effectRef>
+            <a:fontRef idx="minor">
+              <a:schemeClr val="lt1"/>
+            </a:fontRef>
+          </p:style>
+          <p:txBody>
+            <a:bodyPr rtlCol="0" anchor="ctr"/>
+            <a:lstStyle/>
+            <a:p>
+              <a:pPr algn="ctr"/>
+              <a:r>
+                <a:rPr kumimoji="1" lang="zh-CN" altLang="en-US" dirty="0" smtClean="0"/>
+                <a:t>取消</a:t>
+              </a:r>
+              <a:endParaRPr kumimoji="1" lang="zh-CN" altLang="en-US" dirty="0"/>
+            </a:p>
+          </p:txBody>
+        </p:sp>
+        <p:sp>
+          <p:nvSpPr>
+            <p:cNvPr id="27" name="文本框 26"/>
+            <p:cNvSpPr txBox="1"/>
+            <p:nvPr/>
+          </p:nvSpPr>
+          <p:spPr>
+            <a:xfrm>
+              <a:off x="3367144" y="1247887"/>
+              <a:ext cx="290456" cy="369332"/>
+            </a:xfrm>
+            <a:prstGeom prst="rect">
+              <a:avLst/>
+            </a:prstGeom>
+            <a:noFill/>
+          </p:spPr>
+          <p:txBody>
+            <a:bodyPr wrap="square" rtlCol="0">
+              <a:spAutoFit/>
+            </a:bodyPr>
+            <a:lstStyle/>
+            <a:p>
+              <a:r>
+                <a:rPr kumimoji="1" lang="en-US" altLang="zh-CN" dirty="0"/>
+                <a:t>+</a:t>
+              </a:r>
+              <a:endParaRPr kumimoji="1" lang="zh-CN" altLang="en-US" dirty="0"/>
+            </a:p>
+          </p:txBody>
+        </p:sp>
+        <p:cxnSp>
+          <p:nvCxnSpPr>
+            <p:cNvPr id="29" name="直线箭头连接符 28"/>
+            <p:cNvCxnSpPr/>
+            <p:nvPr/>
+          </p:nvCxnSpPr>
+          <p:spPr>
+            <a:xfrm flipH="1">
+              <a:off x="2571078" y="1617219"/>
+              <a:ext cx="875402" cy="1868039"/>
+            </a:xfrm>
+            <a:prstGeom prst="straightConnector1">
+              <a:avLst/>
+            </a:prstGeom>
+            <a:ln>
+              <a:tailEnd type="triangle"/>
+            </a:ln>
+          </p:spPr>
+          <p:style>
+            <a:lnRef idx="1">
+              <a:schemeClr val="accent1"/>
+            </a:lnRef>
+            <a:fillRef idx="0">
+              <a:schemeClr val="accent1"/>
+            </a:fillRef>
+            <a:effectRef idx="0">
+              <a:schemeClr val="accent1"/>
+            </a:effectRef>
+            <a:fontRef idx="minor">
+              <a:schemeClr val="tx1"/>
+            </a:fontRef>
+          </p:style>
+        </p:cxnSp>
+      </p:grpSp>
+      <p:grpSp>
+        <p:nvGrpSpPr>
+          <p:cNvPr id="31" name="组 30"/>
+          <p:cNvGrpSpPr/>
+          <p:nvPr/>
+        </p:nvGrpSpPr>
+        <p:grpSpPr>
+          <a:xfrm>
+            <a:off x="8638390" y="954180"/>
+            <a:ext cx="2646381" cy="4190105"/>
+            <a:chOff x="8638390" y="954180"/>
+            <a:chExt cx="2646381" cy="4190105"/>
+          </a:xfrm>
+        </p:grpSpPr>
+        <p:sp>
+          <p:nvSpPr>
+            <p:cNvPr id="10" name="矩形 9"/>
+            <p:cNvSpPr/>
+            <p:nvPr/>
+          </p:nvSpPr>
+          <p:spPr>
+            <a:xfrm>
+              <a:off x="8638390" y="954180"/>
+              <a:ext cx="2646381" cy="4190105"/>
+            </a:xfrm>
+            <a:prstGeom prst="rect">
+              <a:avLst/>
+            </a:prstGeom>
+            <a:solidFill>
+              <a:schemeClr val="bg1"/>
+            </a:solidFill>
+          </p:spPr>
+          <p:style>
+            <a:lnRef idx="2">
+              <a:schemeClr val="accent1">
+                <a:shade val="50000"/>
+              </a:schemeClr>
+            </a:lnRef>
+            <a:fillRef idx="1">
+              <a:schemeClr val="accent1"/>
+            </a:fillRef>
+            <a:effectRef idx="0">
+              <a:schemeClr val="accent1"/>
+            </a:effectRef>
+            <a:fontRef idx="minor">
+              <a:schemeClr val="lt1"/>
+            </a:fontRef>
+          </p:style>
+          <p:txBody>
+            <a:bodyPr rtlCol="0" anchor="ctr"/>
+            <a:lstStyle/>
+            <a:p>
+              <a:pPr algn="ctr"/>
+              <a:endParaRPr kumimoji="1" lang="zh-CN" altLang="en-US"/>
+            </a:p>
+          </p:txBody>
+        </p:sp>
+        <p:sp>
+          <p:nvSpPr>
+            <p:cNvPr id="11" name="矩形 10"/>
+            <p:cNvSpPr/>
+            <p:nvPr/>
+          </p:nvSpPr>
+          <p:spPr>
+            <a:xfrm>
+              <a:off x="9209142" y="1085963"/>
+              <a:ext cx="1495313" cy="355002"/>
+            </a:xfrm>
+            <a:prstGeom prst="rect">
+              <a:avLst/>
+            </a:prstGeom>
+          </p:spPr>
+          <p:style>
+            <a:lnRef idx="2">
+              <a:schemeClr val="accent1">
+                <a:shade val="50000"/>
+              </a:schemeClr>
+            </a:lnRef>
+            <a:fillRef idx="1">
+              <a:schemeClr val="accent1"/>
+            </a:fillRef>
+            <a:effectRef idx="0">
+              <a:schemeClr val="accent1"/>
+            </a:effectRef>
+            <a:fontRef idx="minor">
+              <a:schemeClr val="lt1"/>
+            </a:fontRef>
+          </p:style>
+          <p:txBody>
+            <a:bodyPr rtlCol="0" anchor="ctr"/>
+            <a:lstStyle/>
+            <a:p>
+              <a:pPr algn="ctr"/>
+              <a:r>
+                <a:rPr kumimoji="1" lang="zh-CN" altLang="en-US" dirty="0" smtClean="0"/>
+                <a:t>添加商品</a:t>
+              </a:r>
+              <a:endParaRPr kumimoji="1" lang="zh-CN" altLang="en-US" dirty="0"/>
+            </a:p>
+          </p:txBody>
+        </p:sp>
+        <p:sp>
+          <p:nvSpPr>
+            <p:cNvPr id="12" name="矩形 11"/>
+            <p:cNvSpPr/>
+            <p:nvPr/>
+          </p:nvSpPr>
+          <p:spPr>
+            <a:xfrm>
+              <a:off x="8881631" y="3008669"/>
+              <a:ext cx="2119256" cy="311973"/>
+            </a:xfrm>
+            <a:prstGeom prst="rect">
+              <a:avLst/>
+            </a:prstGeom>
+          </p:spPr>
+          <p:style>
+            <a:lnRef idx="2">
+              <a:schemeClr val="accent1">
+                <a:shade val="50000"/>
+              </a:schemeClr>
+            </a:lnRef>
+            <a:fillRef idx="1">
+              <a:schemeClr val="accent1"/>
+            </a:fillRef>
+            <a:effectRef idx="0">
+              <a:schemeClr val="accent1"/>
+            </a:effectRef>
+            <a:fontRef idx="minor">
+              <a:schemeClr val="lt1"/>
+            </a:fontRef>
+          </p:style>
+          <p:txBody>
+            <a:bodyPr rtlCol="0" anchor="ctr"/>
+            <a:lstStyle/>
+            <a:p>
+              <a:pPr algn="ctr"/>
+              <a:r>
+                <a:rPr kumimoji="1" lang="zh-CN" altLang="en-US" dirty="0" smtClean="0"/>
+                <a:t>商品名称</a:t>
+              </a:r>
+              <a:endParaRPr kumimoji="1" lang="zh-CN" altLang="en-US" dirty="0"/>
+            </a:p>
+          </p:txBody>
+        </p:sp>
+        <p:sp>
+          <p:nvSpPr>
+            <p:cNvPr id="13" name="矩形 12"/>
+            <p:cNvSpPr/>
+            <p:nvPr/>
+          </p:nvSpPr>
+          <p:spPr>
+            <a:xfrm>
+              <a:off x="8881631" y="3998484"/>
+              <a:ext cx="2119256" cy="311973"/>
+            </a:xfrm>
+            <a:prstGeom prst="rect">
+              <a:avLst/>
+            </a:prstGeom>
+          </p:spPr>
+          <p:style>
+            <a:lnRef idx="2">
+              <a:schemeClr val="accent1">
+                <a:shade val="50000"/>
+              </a:schemeClr>
+            </a:lnRef>
+            <a:fillRef idx="1">
+              <a:schemeClr val="accent1"/>
+            </a:fillRef>
+            <a:effectRef idx="0">
+              <a:schemeClr val="accent1"/>
+            </a:effectRef>
+            <a:fontRef idx="minor">
+              <a:schemeClr val="lt1"/>
+            </a:fontRef>
+          </p:style>
+          <p:txBody>
+            <a:bodyPr rtlCol="0" anchor="ctr"/>
+            <a:lstStyle/>
+            <a:p>
+              <a:pPr algn="ctr"/>
+              <a:r>
+                <a:rPr kumimoji="1" lang="zh-CN" altLang="en-US" dirty="0" smtClean="0"/>
+                <a:t>单价</a:t>
+              </a:r>
+              <a:endParaRPr kumimoji="1" lang="zh-CN" altLang="en-US" dirty="0"/>
+            </a:p>
+          </p:txBody>
+        </p:sp>
+        <p:sp>
+          <p:nvSpPr>
+            <p:cNvPr id="18" name="矩形 17"/>
+            <p:cNvSpPr/>
+            <p:nvPr/>
+          </p:nvSpPr>
+          <p:spPr>
+            <a:xfrm>
+              <a:off x="8895079" y="4579169"/>
+              <a:ext cx="914401" cy="441063"/>
+            </a:xfrm>
+            <a:prstGeom prst="rect">
+              <a:avLst/>
+            </a:prstGeom>
+          </p:spPr>
+          <p:style>
+            <a:lnRef idx="2">
+              <a:schemeClr val="accent1">
+                <a:shade val="50000"/>
+              </a:schemeClr>
+            </a:lnRef>
+            <a:fillRef idx="1">
+              <a:schemeClr val="accent1"/>
+            </a:fillRef>
+            <a:effectRef idx="0">
+              <a:schemeClr val="accent1"/>
+            </a:effectRef>
+            <a:fontRef idx="minor">
+              <a:schemeClr val="lt1"/>
+            </a:fontRef>
+          </p:style>
+          <p:txBody>
+            <a:bodyPr rtlCol="0" anchor="ctr"/>
+            <a:lstStyle/>
+            <a:p>
+              <a:pPr algn="ctr"/>
+              <a:r>
+                <a:rPr kumimoji="1" lang="zh-CN" altLang="en-US" dirty="0" smtClean="0"/>
+                <a:t>添加</a:t>
+              </a:r>
+              <a:endParaRPr kumimoji="1" lang="zh-CN" altLang="en-US" dirty="0"/>
+            </a:p>
+          </p:txBody>
+        </p:sp>
+        <p:sp>
+          <p:nvSpPr>
+            <p:cNvPr id="19" name="矩形 18"/>
+            <p:cNvSpPr/>
+            <p:nvPr/>
+          </p:nvSpPr>
+          <p:spPr>
+            <a:xfrm>
+              <a:off x="10104119" y="4579168"/>
+              <a:ext cx="914401" cy="441063"/>
+            </a:xfrm>
+            <a:prstGeom prst="rect">
+              <a:avLst/>
+            </a:prstGeom>
+          </p:spPr>
+          <p:style>
+            <a:lnRef idx="2">
+              <a:schemeClr val="accent1">
+                <a:shade val="50000"/>
+              </a:schemeClr>
+            </a:lnRef>
+            <a:fillRef idx="1">
+              <a:schemeClr val="accent1"/>
+            </a:fillRef>
+            <a:effectRef idx="0">
+              <a:schemeClr val="accent1"/>
+            </a:effectRef>
+            <a:fontRef idx="minor">
+              <a:schemeClr val="lt1"/>
+            </a:fontRef>
+          </p:style>
+          <p:txBody>
+            <a:bodyPr rtlCol="0" anchor="ctr"/>
+            <a:lstStyle/>
+            <a:p>
+              <a:pPr algn="ctr"/>
+              <a:r>
+                <a:rPr kumimoji="1" lang="zh-CN" altLang="en-US" dirty="0" smtClean="0"/>
+                <a:t>取消</a:t>
+              </a:r>
+              <a:endParaRPr kumimoji="1" lang="zh-CN" altLang="en-US" dirty="0"/>
+            </a:p>
+          </p:txBody>
+        </p:sp>
+        <p:sp>
+          <p:nvSpPr>
+            <p:cNvPr id="20" name="矩形 19"/>
+            <p:cNvSpPr/>
+            <p:nvPr/>
+          </p:nvSpPr>
+          <p:spPr>
+            <a:xfrm>
+              <a:off x="9352279" y="1927749"/>
+              <a:ext cx="1209040" cy="860613"/>
+            </a:xfrm>
+            <a:prstGeom prst="rect">
+              <a:avLst/>
+            </a:prstGeom>
+          </p:spPr>
+          <p:style>
+            <a:lnRef idx="2">
+              <a:schemeClr val="accent1">
+                <a:shade val="50000"/>
+              </a:schemeClr>
+            </a:lnRef>
+            <a:fillRef idx="1">
+              <a:schemeClr val="accent1"/>
+            </a:fillRef>
+            <a:effectRef idx="0">
+              <a:schemeClr val="accent1"/>
+            </a:effectRef>
+            <a:fontRef idx="minor">
+              <a:schemeClr val="lt1"/>
+            </a:fontRef>
+          </p:style>
+          <p:txBody>
+            <a:bodyPr rtlCol="0" anchor="ctr"/>
+            <a:lstStyle/>
+            <a:p>
+              <a:pPr algn="ctr"/>
+              <a:r>
+                <a:rPr kumimoji="1" lang="zh-CN" altLang="en-US" dirty="0" smtClean="0"/>
+                <a:t>拍摄图片</a:t>
+              </a:r>
+              <a:endParaRPr kumimoji="1" lang="zh-CN" altLang="en-US" dirty="0"/>
+            </a:p>
+          </p:txBody>
+        </p:sp>
+        <p:sp>
+          <p:nvSpPr>
+            <p:cNvPr id="30" name="矩形 29"/>
+            <p:cNvSpPr/>
+            <p:nvPr/>
+          </p:nvSpPr>
+          <p:spPr>
+            <a:xfrm>
+              <a:off x="8895079" y="3485258"/>
+              <a:ext cx="2105808" cy="368110"/>
+            </a:xfrm>
+            <a:prstGeom prst="rect">
+              <a:avLst/>
+            </a:prstGeom>
+          </p:spPr>
+          <p:style>
+            <a:lnRef idx="2">
+              <a:schemeClr val="accent1">
+                <a:shade val="50000"/>
+              </a:schemeClr>
+            </a:lnRef>
+            <a:fillRef idx="1">
+              <a:schemeClr val="accent1"/>
+            </a:fillRef>
+            <a:effectRef idx="0">
+              <a:schemeClr val="accent1"/>
+            </a:effectRef>
+            <a:fontRef idx="minor">
+              <a:schemeClr val="lt1"/>
+            </a:fontRef>
+          </p:style>
+          <p:txBody>
+            <a:bodyPr rtlCol="0" anchor="ctr"/>
+            <a:lstStyle/>
+            <a:p>
+              <a:pPr algn="ctr"/>
+              <a:r>
+                <a:rPr kumimoji="1" lang="zh-CN" altLang="en-US" dirty="0" smtClean="0"/>
+                <a:t>所属类别</a:t>
+              </a:r>
+              <a:endParaRPr kumimoji="1" lang="zh-CN" altLang="en-US" dirty="0"/>
+            </a:p>
+          </p:txBody>
+        </p:sp>
+      </p:grpSp>
+    </p:spTree>
+    <p:extLst>
+      <p:ext uri="{BB962C8B-B14F-4D97-AF65-F5344CB8AC3E}">
+        <p14:creationId xmlns:p14="http://schemas.microsoft.com/office/powerpoint/2010/main" val="81667981"/>
+      </p:ext>
+    </p:extLst>
+  </p:cSld>
+  <p:clrMapOvr>
+    <a:masterClrMapping/>
+  </p:clrMapOvr>
+</p:sld>
+</file>
+
+<file path=ppt/slides/slide3.xml><?xml version="1.0" encoding="utf-8"?>
+<p:sld xmlns:a="http://schemas.openxmlformats.org/drawingml/2006/main" xmlns:r="http://schemas.openxmlformats.org/officeDocument/2006/relationships" xmlns:p="http://schemas.openxmlformats.org/presentationml/2006/main">
+  <p:cSld>
+    <p:spTree>
+      <p:nvGrpSpPr>
+        <p:cNvPr id="1" name=""/>
+        <p:cNvGrpSpPr/>
+        <p:nvPr/>
+      </p:nvGrpSpPr>
+      <p:grpSpPr>
+        <a:xfrm>
+          <a:off x="0" y="0"/>
+          <a:ext cx="0" cy="0"/>
+          <a:chOff x="0" y="0"/>
+          <a:chExt cx="0" cy="0"/>
+        </a:xfrm>
+      </p:grpSpPr>
       <p:graphicFrame>
         <p:nvGraphicFramePr>
           <p:cNvPr id="4" name="表格 3"/>
@@ -4634,7 +5331,7 @@
 </p:sld>
 </file>
 
-<file path=ppt/slides/slide3.xml><?xml version="1.0" encoding="utf-8"?>
+<file path=ppt/slides/slide4.xml><?xml version="1.0" encoding="utf-8"?>
 <p:sld xmlns:a="http://schemas.openxmlformats.org/drawingml/2006/main" xmlns:r="http://schemas.openxmlformats.org/officeDocument/2006/relationships" xmlns:p="http://schemas.openxmlformats.org/presentationml/2006/main">
   <p:cSld>
     <p:spTree>

--- a/PurchaseNote/Document/develop.pptx
+++ b/PurchaseNote/Document/develop.pptx
@@ -7,8 +7,9 @@
   <p:sldIdLst>
     <p:sldId id="256" r:id="rId2"/>
     <p:sldId id="259" r:id="rId3"/>
-    <p:sldId id="257" r:id="rId4"/>
-    <p:sldId id="258" r:id="rId5"/>
+    <p:sldId id="260" r:id="rId4"/>
+    <p:sldId id="257" r:id="rId5"/>
+    <p:sldId id="258" r:id="rId6"/>
   </p:sldIdLst>
   <p:sldSz cx="12192000" cy="6858000"/>
   <p:notesSz cx="6858000" cy="9144000"/>
@@ -246,7 +247,7 @@
           <a:p>
             <a:fld id="{9457A3DA-A5AD-9F4D-A4DA-57834D844141}" type="datetimeFigureOut">
               <a:rPr kumimoji="1" lang="zh-CN" altLang="en-US" smtClean="0"/>
-              <a:t>2016/11/18</a:t>
+              <a:t>2016/11/19</a:t>
             </a:fld>
             <a:endParaRPr kumimoji="1" lang="zh-CN" altLang="en-US"/>
           </a:p>
@@ -416,7 +417,7 @@
           <a:p>
             <a:fld id="{9457A3DA-A5AD-9F4D-A4DA-57834D844141}" type="datetimeFigureOut">
               <a:rPr kumimoji="1" lang="zh-CN" altLang="en-US" smtClean="0"/>
-              <a:t>2016/11/18</a:t>
+              <a:t>2016/11/19</a:t>
             </a:fld>
             <a:endParaRPr kumimoji="1" lang="zh-CN" altLang="en-US"/>
           </a:p>
@@ -596,7 +597,7 @@
           <a:p>
             <a:fld id="{9457A3DA-A5AD-9F4D-A4DA-57834D844141}" type="datetimeFigureOut">
               <a:rPr kumimoji="1" lang="zh-CN" altLang="en-US" smtClean="0"/>
-              <a:t>2016/11/18</a:t>
+              <a:t>2016/11/19</a:t>
             </a:fld>
             <a:endParaRPr kumimoji="1" lang="zh-CN" altLang="en-US"/>
           </a:p>
@@ -766,7 +767,7 @@
           <a:p>
             <a:fld id="{9457A3DA-A5AD-9F4D-A4DA-57834D844141}" type="datetimeFigureOut">
               <a:rPr kumimoji="1" lang="zh-CN" altLang="en-US" smtClean="0"/>
-              <a:t>2016/11/18</a:t>
+              <a:t>2016/11/19</a:t>
             </a:fld>
             <a:endParaRPr kumimoji="1" lang="zh-CN" altLang="en-US"/>
           </a:p>
@@ -1012,7 +1013,7 @@
           <a:p>
             <a:fld id="{9457A3DA-A5AD-9F4D-A4DA-57834D844141}" type="datetimeFigureOut">
               <a:rPr kumimoji="1" lang="zh-CN" altLang="en-US" smtClean="0"/>
-              <a:t>2016/11/18</a:t>
+              <a:t>2016/11/19</a:t>
             </a:fld>
             <a:endParaRPr kumimoji="1" lang="zh-CN" altLang="en-US"/>
           </a:p>
@@ -1244,7 +1245,7 @@
           <a:p>
             <a:fld id="{9457A3DA-A5AD-9F4D-A4DA-57834D844141}" type="datetimeFigureOut">
               <a:rPr kumimoji="1" lang="zh-CN" altLang="en-US" smtClean="0"/>
-              <a:t>2016/11/18</a:t>
+              <a:t>2016/11/19</a:t>
             </a:fld>
             <a:endParaRPr kumimoji="1" lang="zh-CN" altLang="en-US"/>
           </a:p>
@@ -1611,7 +1612,7 @@
           <a:p>
             <a:fld id="{9457A3DA-A5AD-9F4D-A4DA-57834D844141}" type="datetimeFigureOut">
               <a:rPr kumimoji="1" lang="zh-CN" altLang="en-US" smtClean="0"/>
-              <a:t>2016/11/18</a:t>
+              <a:t>2016/11/19</a:t>
             </a:fld>
             <a:endParaRPr kumimoji="1" lang="zh-CN" altLang="en-US"/>
           </a:p>
@@ -1729,7 +1730,7 @@
           <a:p>
             <a:fld id="{9457A3DA-A5AD-9F4D-A4DA-57834D844141}" type="datetimeFigureOut">
               <a:rPr kumimoji="1" lang="zh-CN" altLang="en-US" smtClean="0"/>
-              <a:t>2016/11/18</a:t>
+              <a:t>2016/11/19</a:t>
             </a:fld>
             <a:endParaRPr kumimoji="1" lang="zh-CN" altLang="en-US"/>
           </a:p>
@@ -1824,7 +1825,7 @@
           <a:p>
             <a:fld id="{9457A3DA-A5AD-9F4D-A4DA-57834D844141}" type="datetimeFigureOut">
               <a:rPr kumimoji="1" lang="zh-CN" altLang="en-US" smtClean="0"/>
-              <a:t>2016/11/18</a:t>
+              <a:t>2016/11/19</a:t>
             </a:fld>
             <a:endParaRPr kumimoji="1" lang="zh-CN" altLang="en-US"/>
           </a:p>
@@ -2101,7 +2102,7 @@
           <a:p>
             <a:fld id="{9457A3DA-A5AD-9F4D-A4DA-57834D844141}" type="datetimeFigureOut">
               <a:rPr kumimoji="1" lang="zh-CN" altLang="en-US" smtClean="0"/>
-              <a:t>2016/11/18</a:t>
+              <a:t>2016/11/19</a:t>
             </a:fld>
             <a:endParaRPr kumimoji="1" lang="zh-CN" altLang="en-US"/>
           </a:p>
@@ -2354,7 +2355,7 @@
           <a:p>
             <a:fld id="{9457A3DA-A5AD-9F4D-A4DA-57834D844141}" type="datetimeFigureOut">
               <a:rPr kumimoji="1" lang="zh-CN" altLang="en-US" smtClean="0"/>
-              <a:t>2016/11/18</a:t>
+              <a:t>2016/11/19</a:t>
             </a:fld>
             <a:endParaRPr kumimoji="1" lang="zh-CN" altLang="en-US"/>
           </a:p>
@@ -2567,7 +2568,7 @@
           <a:p>
             <a:fld id="{9457A3DA-A5AD-9F4D-A4DA-57834D844141}" type="datetimeFigureOut">
               <a:rPr kumimoji="1" lang="zh-CN" altLang="en-US" smtClean="0"/>
-              <a:t>2016/11/18</a:t>
+              <a:t>2016/11/19</a:t>
             </a:fld>
             <a:endParaRPr kumimoji="1" lang="zh-CN" altLang="en-US"/>
           </a:p>
@@ -4656,6 +4657,715 @@
           <a:chExt cx="0" cy="0"/>
         </a:xfrm>
       </p:grpSpPr>
+      <p:grpSp>
+        <p:nvGrpSpPr>
+          <p:cNvPr id="4" name="组 3"/>
+          <p:cNvGrpSpPr/>
+          <p:nvPr/>
+        </p:nvGrpSpPr>
+        <p:grpSpPr>
+          <a:xfrm>
+            <a:off x="1403873" y="600243"/>
+            <a:ext cx="2646381" cy="4190105"/>
+            <a:chOff x="8638390" y="954180"/>
+            <a:chExt cx="2646381" cy="4190105"/>
+          </a:xfrm>
+        </p:grpSpPr>
+        <p:sp>
+          <p:nvSpPr>
+            <p:cNvPr id="5" name="矩形 4"/>
+            <p:cNvSpPr/>
+            <p:nvPr/>
+          </p:nvSpPr>
+          <p:spPr>
+            <a:xfrm>
+              <a:off x="8638390" y="954180"/>
+              <a:ext cx="2646381" cy="4190105"/>
+            </a:xfrm>
+            <a:prstGeom prst="rect">
+              <a:avLst/>
+            </a:prstGeom>
+            <a:solidFill>
+              <a:schemeClr val="bg1"/>
+            </a:solidFill>
+          </p:spPr>
+          <p:style>
+            <a:lnRef idx="2">
+              <a:schemeClr val="accent1">
+                <a:shade val="50000"/>
+              </a:schemeClr>
+            </a:lnRef>
+            <a:fillRef idx="1">
+              <a:schemeClr val="accent1"/>
+            </a:fillRef>
+            <a:effectRef idx="0">
+              <a:schemeClr val="accent1"/>
+            </a:effectRef>
+            <a:fontRef idx="minor">
+              <a:schemeClr val="lt1"/>
+            </a:fontRef>
+          </p:style>
+          <p:txBody>
+            <a:bodyPr rtlCol="0" anchor="ctr"/>
+            <a:lstStyle/>
+            <a:p>
+              <a:pPr algn="ctr"/>
+              <a:endParaRPr kumimoji="1" lang="zh-CN" altLang="en-US"/>
+            </a:p>
+          </p:txBody>
+        </p:sp>
+        <p:sp>
+          <p:nvSpPr>
+            <p:cNvPr id="6" name="矩形 5"/>
+            <p:cNvSpPr/>
+            <p:nvPr/>
+          </p:nvSpPr>
+          <p:spPr>
+            <a:xfrm>
+              <a:off x="9209142" y="1085963"/>
+              <a:ext cx="1495313" cy="355002"/>
+            </a:xfrm>
+            <a:prstGeom prst="rect">
+              <a:avLst/>
+            </a:prstGeom>
+          </p:spPr>
+          <p:style>
+            <a:lnRef idx="2">
+              <a:schemeClr val="accent1">
+                <a:shade val="50000"/>
+              </a:schemeClr>
+            </a:lnRef>
+            <a:fillRef idx="1">
+              <a:schemeClr val="accent1"/>
+            </a:fillRef>
+            <a:effectRef idx="0">
+              <a:schemeClr val="accent1"/>
+            </a:effectRef>
+            <a:fontRef idx="minor">
+              <a:schemeClr val="lt1"/>
+            </a:fontRef>
+          </p:style>
+          <p:txBody>
+            <a:bodyPr rtlCol="0" anchor="ctr"/>
+            <a:lstStyle/>
+            <a:p>
+              <a:pPr algn="ctr"/>
+              <a:r>
+                <a:rPr kumimoji="1" lang="zh-CN" altLang="en-US" dirty="0" smtClean="0"/>
+                <a:t>添加商品</a:t>
+              </a:r>
+              <a:endParaRPr kumimoji="1" lang="zh-CN" altLang="en-US" dirty="0"/>
+            </a:p>
+          </p:txBody>
+        </p:sp>
+        <p:sp>
+          <p:nvSpPr>
+            <p:cNvPr id="7" name="矩形 6"/>
+            <p:cNvSpPr/>
+            <p:nvPr/>
+          </p:nvSpPr>
+          <p:spPr>
+            <a:xfrm>
+              <a:off x="8881631" y="3008669"/>
+              <a:ext cx="2119256" cy="311973"/>
+            </a:xfrm>
+            <a:prstGeom prst="rect">
+              <a:avLst/>
+            </a:prstGeom>
+          </p:spPr>
+          <p:style>
+            <a:lnRef idx="2">
+              <a:schemeClr val="accent1">
+                <a:shade val="50000"/>
+              </a:schemeClr>
+            </a:lnRef>
+            <a:fillRef idx="1">
+              <a:schemeClr val="accent1"/>
+            </a:fillRef>
+            <a:effectRef idx="0">
+              <a:schemeClr val="accent1"/>
+            </a:effectRef>
+            <a:fontRef idx="minor">
+              <a:schemeClr val="lt1"/>
+            </a:fontRef>
+          </p:style>
+          <p:txBody>
+            <a:bodyPr rtlCol="0" anchor="ctr"/>
+            <a:lstStyle/>
+            <a:p>
+              <a:pPr algn="ctr"/>
+              <a:r>
+                <a:rPr kumimoji="1" lang="zh-CN" altLang="en-US" dirty="0" smtClean="0"/>
+                <a:t>商品名称</a:t>
+              </a:r>
+              <a:endParaRPr kumimoji="1" lang="zh-CN" altLang="en-US" dirty="0"/>
+            </a:p>
+          </p:txBody>
+        </p:sp>
+        <p:sp>
+          <p:nvSpPr>
+            <p:cNvPr id="8" name="矩形 7"/>
+            <p:cNvSpPr/>
+            <p:nvPr/>
+          </p:nvSpPr>
+          <p:spPr>
+            <a:xfrm>
+              <a:off x="8881631" y="3998484"/>
+              <a:ext cx="2119256" cy="311973"/>
+            </a:xfrm>
+            <a:prstGeom prst="rect">
+              <a:avLst/>
+            </a:prstGeom>
+          </p:spPr>
+          <p:style>
+            <a:lnRef idx="2">
+              <a:schemeClr val="accent1">
+                <a:shade val="50000"/>
+              </a:schemeClr>
+            </a:lnRef>
+            <a:fillRef idx="1">
+              <a:schemeClr val="accent1"/>
+            </a:fillRef>
+            <a:effectRef idx="0">
+              <a:schemeClr val="accent1"/>
+            </a:effectRef>
+            <a:fontRef idx="minor">
+              <a:schemeClr val="lt1"/>
+            </a:fontRef>
+          </p:style>
+          <p:txBody>
+            <a:bodyPr rtlCol="0" anchor="ctr"/>
+            <a:lstStyle/>
+            <a:p>
+              <a:pPr algn="ctr"/>
+              <a:r>
+                <a:rPr kumimoji="1" lang="zh-CN" altLang="en-US" dirty="0" smtClean="0"/>
+                <a:t>单价</a:t>
+              </a:r>
+              <a:endParaRPr kumimoji="1" lang="zh-CN" altLang="en-US" dirty="0"/>
+            </a:p>
+          </p:txBody>
+        </p:sp>
+        <p:sp>
+          <p:nvSpPr>
+            <p:cNvPr id="9" name="矩形 8"/>
+            <p:cNvSpPr/>
+            <p:nvPr/>
+          </p:nvSpPr>
+          <p:spPr>
+            <a:xfrm>
+              <a:off x="8895079" y="4579169"/>
+              <a:ext cx="914401" cy="441063"/>
+            </a:xfrm>
+            <a:prstGeom prst="rect">
+              <a:avLst/>
+            </a:prstGeom>
+          </p:spPr>
+          <p:style>
+            <a:lnRef idx="2">
+              <a:schemeClr val="accent1">
+                <a:shade val="50000"/>
+              </a:schemeClr>
+            </a:lnRef>
+            <a:fillRef idx="1">
+              <a:schemeClr val="accent1"/>
+            </a:fillRef>
+            <a:effectRef idx="0">
+              <a:schemeClr val="accent1"/>
+            </a:effectRef>
+            <a:fontRef idx="minor">
+              <a:schemeClr val="lt1"/>
+            </a:fontRef>
+          </p:style>
+          <p:txBody>
+            <a:bodyPr rtlCol="0" anchor="ctr"/>
+            <a:lstStyle/>
+            <a:p>
+              <a:pPr algn="ctr"/>
+              <a:r>
+                <a:rPr kumimoji="1" lang="zh-CN" altLang="en-US" dirty="0" smtClean="0"/>
+                <a:t>添加</a:t>
+              </a:r>
+              <a:endParaRPr kumimoji="1" lang="zh-CN" altLang="en-US" dirty="0"/>
+            </a:p>
+          </p:txBody>
+        </p:sp>
+        <p:sp>
+          <p:nvSpPr>
+            <p:cNvPr id="10" name="矩形 9"/>
+            <p:cNvSpPr/>
+            <p:nvPr/>
+          </p:nvSpPr>
+          <p:spPr>
+            <a:xfrm>
+              <a:off x="10104119" y="4579168"/>
+              <a:ext cx="914401" cy="441063"/>
+            </a:xfrm>
+            <a:prstGeom prst="rect">
+              <a:avLst/>
+            </a:prstGeom>
+          </p:spPr>
+          <p:style>
+            <a:lnRef idx="2">
+              <a:schemeClr val="accent1">
+                <a:shade val="50000"/>
+              </a:schemeClr>
+            </a:lnRef>
+            <a:fillRef idx="1">
+              <a:schemeClr val="accent1"/>
+            </a:fillRef>
+            <a:effectRef idx="0">
+              <a:schemeClr val="accent1"/>
+            </a:effectRef>
+            <a:fontRef idx="minor">
+              <a:schemeClr val="lt1"/>
+            </a:fontRef>
+          </p:style>
+          <p:txBody>
+            <a:bodyPr rtlCol="0" anchor="ctr"/>
+            <a:lstStyle/>
+            <a:p>
+              <a:pPr algn="ctr"/>
+              <a:r>
+                <a:rPr kumimoji="1" lang="zh-CN" altLang="en-US" dirty="0" smtClean="0"/>
+                <a:t>取消</a:t>
+              </a:r>
+              <a:endParaRPr kumimoji="1" lang="zh-CN" altLang="en-US" dirty="0"/>
+            </a:p>
+          </p:txBody>
+        </p:sp>
+        <p:sp>
+          <p:nvSpPr>
+            <p:cNvPr id="11" name="矩形 10"/>
+            <p:cNvSpPr/>
+            <p:nvPr/>
+          </p:nvSpPr>
+          <p:spPr>
+            <a:xfrm>
+              <a:off x="9352279" y="1927749"/>
+              <a:ext cx="1209040" cy="860613"/>
+            </a:xfrm>
+            <a:prstGeom prst="rect">
+              <a:avLst/>
+            </a:prstGeom>
+          </p:spPr>
+          <p:style>
+            <a:lnRef idx="2">
+              <a:schemeClr val="accent1">
+                <a:shade val="50000"/>
+              </a:schemeClr>
+            </a:lnRef>
+            <a:fillRef idx="1">
+              <a:schemeClr val="accent1"/>
+            </a:fillRef>
+            <a:effectRef idx="0">
+              <a:schemeClr val="accent1"/>
+            </a:effectRef>
+            <a:fontRef idx="minor">
+              <a:schemeClr val="lt1"/>
+            </a:fontRef>
+          </p:style>
+          <p:txBody>
+            <a:bodyPr rtlCol="0" anchor="ctr"/>
+            <a:lstStyle/>
+            <a:p>
+              <a:pPr algn="ctr"/>
+              <a:r>
+                <a:rPr kumimoji="1" lang="zh-CN" altLang="en-US" dirty="0" smtClean="0"/>
+                <a:t>拍摄图片</a:t>
+              </a:r>
+              <a:endParaRPr kumimoji="1" lang="zh-CN" altLang="en-US" dirty="0"/>
+            </a:p>
+          </p:txBody>
+        </p:sp>
+        <p:sp>
+          <p:nvSpPr>
+            <p:cNvPr id="12" name="矩形 11"/>
+            <p:cNvSpPr/>
+            <p:nvPr/>
+          </p:nvSpPr>
+          <p:spPr>
+            <a:xfrm>
+              <a:off x="8895079" y="3485258"/>
+              <a:ext cx="2105808" cy="368110"/>
+            </a:xfrm>
+            <a:prstGeom prst="rect">
+              <a:avLst/>
+            </a:prstGeom>
+          </p:spPr>
+          <p:style>
+            <a:lnRef idx="2">
+              <a:schemeClr val="accent1">
+                <a:shade val="50000"/>
+              </a:schemeClr>
+            </a:lnRef>
+            <a:fillRef idx="1">
+              <a:schemeClr val="accent1"/>
+            </a:fillRef>
+            <a:effectRef idx="0">
+              <a:schemeClr val="accent1"/>
+            </a:effectRef>
+            <a:fontRef idx="minor">
+              <a:schemeClr val="lt1"/>
+            </a:fontRef>
+          </p:style>
+          <p:txBody>
+            <a:bodyPr rtlCol="0" anchor="ctr"/>
+            <a:lstStyle/>
+            <a:p>
+              <a:pPr algn="ctr"/>
+              <a:r>
+                <a:rPr kumimoji="1" lang="zh-CN" altLang="en-US" dirty="0" smtClean="0"/>
+                <a:t>所属类别</a:t>
+              </a:r>
+              <a:endParaRPr kumimoji="1" lang="zh-CN" altLang="en-US" dirty="0"/>
+            </a:p>
+          </p:txBody>
+        </p:sp>
+      </p:grpSp>
+      <p:cxnSp>
+        <p:nvCxnSpPr>
+          <p:cNvPr id="20" name="直线箭头连接符 19"/>
+          <p:cNvCxnSpPr/>
+          <p:nvPr/>
+        </p:nvCxnSpPr>
+        <p:spPr>
+          <a:xfrm flipV="1">
+            <a:off x="3830319" y="1220342"/>
+            <a:ext cx="1612454" cy="2156131"/>
+          </a:xfrm>
+          <a:prstGeom prst="straightConnector1">
+            <a:avLst/>
+          </a:prstGeom>
+          <a:ln>
+            <a:tailEnd type="triangle"/>
+          </a:ln>
+        </p:spPr>
+        <p:style>
+          <a:lnRef idx="1">
+            <a:schemeClr val="accent1"/>
+          </a:lnRef>
+          <a:fillRef idx="0">
+            <a:schemeClr val="accent1"/>
+          </a:fillRef>
+          <a:effectRef idx="0">
+            <a:schemeClr val="accent1"/>
+          </a:effectRef>
+          <a:fontRef idx="minor">
+            <a:schemeClr val="tx1"/>
+          </a:fontRef>
+        </p:style>
+      </p:cxnSp>
+      <p:grpSp>
+        <p:nvGrpSpPr>
+          <p:cNvPr id="24" name="组 23"/>
+          <p:cNvGrpSpPr/>
+          <p:nvPr/>
+        </p:nvGrpSpPr>
+        <p:grpSpPr>
+          <a:xfrm>
+            <a:off x="5378824" y="909527"/>
+            <a:ext cx="3356387" cy="3046993"/>
+            <a:chOff x="5378824" y="909527"/>
+            <a:chExt cx="3356387" cy="3046993"/>
+          </a:xfrm>
+        </p:grpSpPr>
+        <p:grpSp>
+          <p:nvGrpSpPr>
+            <p:cNvPr id="18" name="组 17"/>
+            <p:cNvGrpSpPr/>
+            <p:nvPr/>
+          </p:nvGrpSpPr>
+          <p:grpSpPr>
+            <a:xfrm>
+              <a:off x="5378824" y="909527"/>
+              <a:ext cx="3356387" cy="434384"/>
+              <a:chOff x="5604734" y="1009316"/>
+              <a:chExt cx="3356387" cy="434384"/>
+            </a:xfrm>
+          </p:grpSpPr>
+          <p:sp>
+            <p:nvSpPr>
+              <p:cNvPr id="13" name="矩形 12"/>
+              <p:cNvSpPr/>
+              <p:nvPr/>
+            </p:nvSpPr>
+            <p:spPr>
+              <a:xfrm>
+                <a:off x="6788075" y="1009316"/>
+                <a:ext cx="2173046" cy="434384"/>
+              </a:xfrm>
+              <a:prstGeom prst="rect">
+                <a:avLst/>
+              </a:prstGeom>
+              <a:solidFill>
+                <a:schemeClr val="accent2">
+                  <a:lumMod val="20000"/>
+                  <a:lumOff val="80000"/>
+                </a:schemeClr>
+              </a:solidFill>
+            </p:spPr>
+            <p:style>
+              <a:lnRef idx="2">
+                <a:schemeClr val="accent1">
+                  <a:shade val="50000"/>
+                </a:schemeClr>
+              </a:lnRef>
+              <a:fillRef idx="1">
+                <a:schemeClr val="accent1"/>
+              </a:fillRef>
+              <a:effectRef idx="0">
+                <a:schemeClr val="accent1"/>
+              </a:effectRef>
+              <a:fontRef idx="minor">
+                <a:schemeClr val="lt1"/>
+              </a:fontRef>
+            </p:style>
+            <p:txBody>
+              <a:bodyPr rtlCol="0" anchor="ctr"/>
+              <a:lstStyle/>
+              <a:p>
+                <a:pPr algn="ctr"/>
+                <a:r>
+                  <a:rPr kumimoji="1" lang="en-US" altLang="zh-CN" dirty="0" smtClean="0">
+                    <a:solidFill>
+                      <a:sysClr val="windowText" lastClr="000000"/>
+                    </a:solidFill>
+                  </a:rPr>
+                  <a:t>--</a:t>
+                </a:r>
+                <a:r>
+                  <a:rPr kumimoji="1" lang="zh-CN" altLang="en-US" dirty="0" smtClean="0">
+                    <a:solidFill>
+                      <a:sysClr val="windowText" lastClr="000000"/>
+                    </a:solidFill>
+                  </a:rPr>
+                  <a:t>请选择</a:t>
+                </a:r>
+                <a:r>
+                  <a:rPr kumimoji="1" lang="en-US" altLang="zh-CN" dirty="0" smtClean="0">
+                    <a:solidFill>
+                      <a:sysClr val="windowText" lastClr="000000"/>
+                    </a:solidFill>
+                  </a:rPr>
+                  <a:t>--</a:t>
+                </a:r>
+                <a:endParaRPr kumimoji="1" lang="zh-CN" altLang="en-US" dirty="0">
+                  <a:solidFill>
+                    <a:sysClr val="windowText" lastClr="000000"/>
+                  </a:solidFill>
+                </a:endParaRPr>
+              </a:p>
+            </p:txBody>
+          </p:sp>
+          <p:sp>
+            <p:nvSpPr>
+              <p:cNvPr id="15" name="文本框 14"/>
+              <p:cNvSpPr txBox="1"/>
+              <p:nvPr/>
+            </p:nvSpPr>
+            <p:spPr>
+              <a:xfrm>
+                <a:off x="5604734" y="1074368"/>
+                <a:ext cx="1183341" cy="369332"/>
+              </a:xfrm>
+              <a:prstGeom prst="rect">
+                <a:avLst/>
+              </a:prstGeom>
+              <a:noFill/>
+            </p:spPr>
+            <p:txBody>
+              <a:bodyPr wrap="square" rtlCol="0">
+                <a:spAutoFit/>
+              </a:bodyPr>
+              <a:lstStyle/>
+              <a:p>
+                <a:r>
+                  <a:rPr kumimoji="1" lang="zh-CN" altLang="en-US" dirty="0" smtClean="0"/>
+                  <a:t>所属类别</a:t>
+                </a:r>
+                <a:endParaRPr kumimoji="1" lang="zh-CN" altLang="en-US" dirty="0"/>
+              </a:p>
+            </p:txBody>
+          </p:sp>
+          <p:sp>
+            <p:nvSpPr>
+              <p:cNvPr id="17" name="下箭头 16"/>
+              <p:cNvSpPr/>
+              <p:nvPr/>
+            </p:nvSpPr>
+            <p:spPr>
+              <a:xfrm>
+                <a:off x="8606118" y="1176726"/>
+                <a:ext cx="182880" cy="164616"/>
+              </a:xfrm>
+              <a:prstGeom prst="downArrow">
+                <a:avLst/>
+              </a:prstGeom>
+            </p:spPr>
+            <p:style>
+              <a:lnRef idx="2">
+                <a:schemeClr val="accent1">
+                  <a:shade val="50000"/>
+                </a:schemeClr>
+              </a:lnRef>
+              <a:fillRef idx="1">
+                <a:schemeClr val="accent1"/>
+              </a:fillRef>
+              <a:effectRef idx="0">
+                <a:schemeClr val="accent1"/>
+              </a:effectRef>
+              <a:fontRef idx="minor">
+                <a:schemeClr val="lt1"/>
+              </a:fontRef>
+            </p:style>
+            <p:txBody>
+              <a:bodyPr rtlCol="0" anchor="ctr"/>
+              <a:lstStyle/>
+              <a:p>
+                <a:pPr algn="ctr"/>
+                <a:endParaRPr kumimoji="1" lang="zh-CN" altLang="en-US"/>
+              </a:p>
+            </p:txBody>
+          </p:sp>
+        </p:grpSp>
+        <p:sp>
+          <p:nvSpPr>
+            <p:cNvPr id="21" name="矩形 20"/>
+            <p:cNvSpPr/>
+            <p:nvPr/>
+          </p:nvSpPr>
+          <p:spPr>
+            <a:xfrm>
+              <a:off x="5464885" y="1473798"/>
+              <a:ext cx="3270326" cy="2482722"/>
+            </a:xfrm>
+            <a:prstGeom prst="rect">
+              <a:avLst/>
+            </a:prstGeom>
+            <a:solidFill>
+              <a:schemeClr val="accent2">
+                <a:lumMod val="20000"/>
+                <a:lumOff val="80000"/>
+              </a:schemeClr>
+            </a:solidFill>
+          </p:spPr>
+          <p:style>
+            <a:lnRef idx="2">
+              <a:schemeClr val="accent1">
+                <a:shade val="50000"/>
+              </a:schemeClr>
+            </a:lnRef>
+            <a:fillRef idx="1">
+              <a:schemeClr val="accent1"/>
+            </a:fillRef>
+            <a:effectRef idx="0">
+              <a:schemeClr val="accent1"/>
+            </a:effectRef>
+            <a:fontRef idx="minor">
+              <a:schemeClr val="lt1"/>
+            </a:fontRef>
+          </p:style>
+          <p:txBody>
+            <a:bodyPr rtlCol="0" anchor="ctr"/>
+            <a:lstStyle/>
+            <a:p>
+              <a:pPr algn="ctr"/>
+              <a:endParaRPr kumimoji="1" lang="zh-CN" altLang="en-US" dirty="0"/>
+            </a:p>
+          </p:txBody>
+        </p:sp>
+        <p:sp>
+          <p:nvSpPr>
+            <p:cNvPr id="22" name="文本框 21"/>
+            <p:cNvSpPr txBox="1"/>
+            <p:nvPr/>
+          </p:nvSpPr>
+          <p:spPr>
+            <a:xfrm>
+              <a:off x="5658522" y="1678193"/>
+              <a:ext cx="2904566" cy="369332"/>
+            </a:xfrm>
+            <a:prstGeom prst="rect">
+              <a:avLst/>
+            </a:prstGeom>
+            <a:noFill/>
+          </p:spPr>
+          <p:txBody>
+            <a:bodyPr wrap="square" rtlCol="0">
+              <a:spAutoFit/>
+            </a:bodyPr>
+            <a:lstStyle/>
+            <a:p>
+              <a:r>
+                <a:rPr kumimoji="1" lang="zh-CN" altLang="en-US" dirty="0" smtClean="0"/>
+                <a:t>零食</a:t>
+              </a:r>
+              <a:endParaRPr kumimoji="1" lang="zh-CN" altLang="en-US" dirty="0"/>
+            </a:p>
+          </p:txBody>
+        </p:sp>
+        <p:sp>
+          <p:nvSpPr>
+            <p:cNvPr id="23" name="文本框 22"/>
+            <p:cNvSpPr txBox="1"/>
+            <p:nvPr/>
+          </p:nvSpPr>
+          <p:spPr>
+            <a:xfrm>
+              <a:off x="5658522" y="2113742"/>
+              <a:ext cx="2904566" cy="369332"/>
+            </a:xfrm>
+            <a:prstGeom prst="rect">
+              <a:avLst/>
+            </a:prstGeom>
+            <a:noFill/>
+          </p:spPr>
+          <p:txBody>
+            <a:bodyPr wrap="square" rtlCol="0">
+              <a:spAutoFit/>
+            </a:bodyPr>
+            <a:lstStyle/>
+            <a:p>
+              <a:r>
+                <a:rPr kumimoji="1" lang="zh-CN" altLang="en-US" dirty="0" smtClean="0"/>
+                <a:t>饮料</a:t>
+              </a:r>
+              <a:endParaRPr kumimoji="1" lang="zh-CN" altLang="en-US" dirty="0"/>
+            </a:p>
+          </p:txBody>
+        </p:sp>
+      </p:grpSp>
+    </p:spTree>
+    <p:extLst>
+      <p:ext uri="{BB962C8B-B14F-4D97-AF65-F5344CB8AC3E}">
+        <p14:creationId xmlns:p14="http://schemas.microsoft.com/office/powerpoint/2010/main" val="1013797810"/>
+      </p:ext>
+    </p:extLst>
+  </p:cSld>
+  <p:clrMapOvr>
+    <a:masterClrMapping/>
+  </p:clrMapOvr>
+</p:sld>
+</file>
+
+<file path=ppt/slides/slide4.xml><?xml version="1.0" encoding="utf-8"?>
+<p:sld xmlns:a="http://schemas.openxmlformats.org/drawingml/2006/main" xmlns:r="http://schemas.openxmlformats.org/officeDocument/2006/relationships" xmlns:p="http://schemas.openxmlformats.org/presentationml/2006/main">
+  <p:cSld>
+    <p:spTree>
+      <p:nvGrpSpPr>
+        <p:cNvPr id="1" name=""/>
+        <p:cNvGrpSpPr/>
+        <p:nvPr/>
+      </p:nvGrpSpPr>
+      <p:grpSpPr>
+        <a:xfrm>
+          <a:off x="0" y="0"/>
+          <a:ext cx="0" cy="0"/>
+          <a:chOff x="0" y="0"/>
+          <a:chExt cx="0" cy="0"/>
+        </a:xfrm>
+      </p:grpSpPr>
       <p:graphicFrame>
         <p:nvGraphicFramePr>
           <p:cNvPr id="4" name="表格 3"/>
@@ -5331,7 +6041,7 @@
 </p:sld>
 </file>
 
-<file path=ppt/slides/slide4.xml><?xml version="1.0" encoding="utf-8"?>
+<file path=ppt/slides/slide5.xml><?xml version="1.0" encoding="utf-8"?>
 <p:sld xmlns:a="http://schemas.openxmlformats.org/drawingml/2006/main" xmlns:r="http://schemas.openxmlformats.org/officeDocument/2006/relationships" xmlns:p="http://schemas.openxmlformats.org/presentationml/2006/main">
   <p:cSld>
     <p:spTree>
